--- a/doc/rccockpit022013.pptx
+++ b/doc/rccockpit022013.pptx
@@ -473,6 +473,386 @@
     </a:lvl9pPr>
   </p:notesStyle>
 </p:notesMaster>
+</file>
+
+<file path=ppt/notesSlides/notesSlide1.xml><?xml version="1.0" encoding="utf-8"?>
+<p:notes xmlns:a="http://schemas.openxmlformats.org/drawingml/2006/main" xmlns:r="http://schemas.openxmlformats.org/officeDocument/2006/relationships" xmlns:p="http://schemas.openxmlformats.org/presentationml/2006/main">
+  <p:cSld>
+    <p:spTree>
+      <p:nvGrpSpPr>
+        <p:cNvPr id="1" name=""/>
+        <p:cNvGrpSpPr/>
+        <p:nvPr/>
+      </p:nvGrpSpPr>
+      <p:grpSpPr>
+        <a:xfrm>
+          <a:off x="0" y="0"/>
+          <a:ext cx="0" cy="0"/>
+          <a:chOff x="0" y="0"/>
+          <a:chExt cx="0" cy="0"/>
+        </a:xfrm>
+      </p:grpSpPr>
+      <p:sp>
+        <p:nvSpPr>
+          <p:cNvPr id="2" name="Folienbildplatzhalter 1"/>
+          <p:cNvSpPr>
+            <a:spLocks noGrp="1" noRot="1" noChangeAspect="1"/>
+          </p:cNvSpPr>
+          <p:nvPr>
+            <p:ph type="sldImg"/>
+          </p:nvPr>
+        </p:nvSpPr>
+        <p:spPr/>
+      </p:sp>
+      <p:sp>
+        <p:nvSpPr>
+          <p:cNvPr id="3" name="Notizenplatzhalter 2"/>
+          <p:cNvSpPr>
+            <a:spLocks noGrp="1"/>
+          </p:cNvSpPr>
+          <p:nvPr>
+            <p:ph type="body" idx="1"/>
+          </p:nvPr>
+        </p:nvSpPr>
+        <p:spPr/>
+        <p:txBody>
+          <a:bodyPr/>
+          <a:lstStyle/>
+          <a:p>
+            <a:r>
+              <a:rPr lang="de-DE" dirty="0" err="1" smtClean="0"/>
+              <a:t>OverallLeaderboard</a:t>
+            </a:r>
+            <a:r>
+              <a:rPr lang="de-DE" baseline="0" dirty="0" smtClean="0"/>
+              <a:t> – dynamische Spalten - ignorieren?!</a:t>
+            </a:r>
+            <a:endParaRPr lang="de-DE" dirty="0"/>
+          </a:p>
+        </p:txBody>
+      </p:sp>
+      <p:sp>
+        <p:nvSpPr>
+          <p:cNvPr id="4" name="Foliennummernplatzhalter 3"/>
+          <p:cNvSpPr>
+            <a:spLocks noGrp="1"/>
+          </p:cNvSpPr>
+          <p:nvPr>
+            <p:ph type="sldNum" sz="quarter" idx="10"/>
+          </p:nvPr>
+        </p:nvSpPr>
+        <p:spPr/>
+        <p:txBody>
+          <a:bodyPr/>
+          <a:lstStyle/>
+          <a:p>
+            <a:fld id="{B282CE53-5F46-475F-996F-0287F4451556}" type="slidenum">
+              <a:rPr lang="de-DE" smtClean="0"/>
+              <a:t>12</a:t>
+            </a:fld>
+            <a:endParaRPr lang="de-DE"/>
+          </a:p>
+        </p:txBody>
+      </p:sp>
+    </p:spTree>
+    <p:extLst>
+      <p:ext uri="{BB962C8B-B14F-4D97-AF65-F5344CB8AC3E}">
+        <p14:creationId xmlns:p14="http://schemas.microsoft.com/office/powerpoint/2010/main" val="365083039"/>
+      </p:ext>
+    </p:extLst>
+  </p:cSld>
+  <p:clrMapOvr>
+    <a:masterClrMapping/>
+  </p:clrMapOvr>
+</p:notes>
+</file>
+
+<file path=ppt/notesSlides/notesSlide2.xml><?xml version="1.0" encoding="utf-8"?>
+<p:notes xmlns:a="http://schemas.openxmlformats.org/drawingml/2006/main" xmlns:r="http://schemas.openxmlformats.org/officeDocument/2006/relationships" xmlns:p="http://schemas.openxmlformats.org/presentationml/2006/main">
+  <p:cSld>
+    <p:spTree>
+      <p:nvGrpSpPr>
+        <p:cNvPr id="1" name=""/>
+        <p:cNvGrpSpPr/>
+        <p:nvPr/>
+      </p:nvGrpSpPr>
+      <p:grpSpPr>
+        <a:xfrm>
+          <a:off x="0" y="0"/>
+          <a:ext cx="0" cy="0"/>
+          <a:chOff x="0" y="0"/>
+          <a:chExt cx="0" cy="0"/>
+        </a:xfrm>
+      </p:grpSpPr>
+      <p:sp>
+        <p:nvSpPr>
+          <p:cNvPr id="2" name="Folienbildplatzhalter 1"/>
+          <p:cNvSpPr>
+            <a:spLocks noGrp="1" noRot="1" noChangeAspect="1"/>
+          </p:cNvSpPr>
+          <p:nvPr>
+            <p:ph type="sldImg"/>
+          </p:nvPr>
+        </p:nvSpPr>
+        <p:spPr/>
+      </p:sp>
+      <p:sp>
+        <p:nvSpPr>
+          <p:cNvPr id="3" name="Notizenplatzhalter 2"/>
+          <p:cNvSpPr>
+            <a:spLocks noGrp="1"/>
+          </p:cNvSpPr>
+          <p:nvPr>
+            <p:ph type="body" idx="1"/>
+          </p:nvPr>
+        </p:nvSpPr>
+        <p:spPr/>
+        <p:txBody>
+          <a:bodyPr/>
+          <a:lstStyle/>
+          <a:p>
+            <a:endParaRPr lang="de-DE" dirty="0"/>
+          </a:p>
+        </p:txBody>
+      </p:sp>
+      <p:sp>
+        <p:nvSpPr>
+          <p:cNvPr id="4" name="Foliennummernplatzhalter 3"/>
+          <p:cNvSpPr>
+            <a:spLocks noGrp="1"/>
+          </p:cNvSpPr>
+          <p:nvPr>
+            <p:ph type="sldNum" sz="quarter" idx="10"/>
+          </p:nvPr>
+        </p:nvSpPr>
+        <p:spPr/>
+        <p:txBody>
+          <a:bodyPr/>
+          <a:lstStyle/>
+          <a:p>
+            <a:fld id="{B282CE53-5F46-475F-996F-0287F4451556}" type="slidenum">
+              <a:rPr lang="de-DE" smtClean="0"/>
+              <a:t>14</a:t>
+            </a:fld>
+            <a:endParaRPr lang="de-DE"/>
+          </a:p>
+        </p:txBody>
+      </p:sp>
+    </p:spTree>
+    <p:extLst>
+      <p:ext uri="{BB962C8B-B14F-4D97-AF65-F5344CB8AC3E}">
+        <p14:creationId xmlns:p14="http://schemas.microsoft.com/office/powerpoint/2010/main" val="3576685112"/>
+      </p:ext>
+    </p:extLst>
+  </p:cSld>
+  <p:clrMapOvr>
+    <a:masterClrMapping/>
+  </p:clrMapOvr>
+</p:notes>
+</file>
+
+<file path=ppt/notesSlides/notesSlide3.xml><?xml version="1.0" encoding="utf-8"?>
+<p:notes xmlns:a="http://schemas.openxmlformats.org/drawingml/2006/main" xmlns:r="http://schemas.openxmlformats.org/officeDocument/2006/relationships" xmlns:p="http://schemas.openxmlformats.org/presentationml/2006/main">
+  <p:cSld>
+    <p:spTree>
+      <p:nvGrpSpPr>
+        <p:cNvPr id="1" name=""/>
+        <p:cNvGrpSpPr/>
+        <p:nvPr/>
+      </p:nvGrpSpPr>
+      <p:grpSpPr>
+        <a:xfrm>
+          <a:off x="0" y="0"/>
+          <a:ext cx="0" cy="0"/>
+          <a:chOff x="0" y="0"/>
+          <a:chExt cx="0" cy="0"/>
+        </a:xfrm>
+      </p:grpSpPr>
+      <p:sp>
+        <p:nvSpPr>
+          <p:cNvPr id="2" name="Folienbildplatzhalter 1"/>
+          <p:cNvSpPr>
+            <a:spLocks noGrp="1" noRot="1" noChangeAspect="1"/>
+          </p:cNvSpPr>
+          <p:nvPr>
+            <p:ph type="sldImg"/>
+          </p:nvPr>
+        </p:nvSpPr>
+        <p:spPr/>
+      </p:sp>
+      <p:sp>
+        <p:nvSpPr>
+          <p:cNvPr id="3" name="Notizenplatzhalter 2"/>
+          <p:cNvSpPr>
+            <a:spLocks noGrp="1"/>
+          </p:cNvSpPr>
+          <p:nvPr>
+            <p:ph type="body" idx="1"/>
+          </p:nvPr>
+        </p:nvSpPr>
+        <p:spPr/>
+        <p:txBody>
+          <a:bodyPr/>
+          <a:lstStyle/>
+          <a:p>
+            <a:endParaRPr lang="de-DE" dirty="0"/>
+          </a:p>
+        </p:txBody>
+      </p:sp>
+      <p:sp>
+        <p:nvSpPr>
+          <p:cNvPr id="4" name="Foliennummernplatzhalter 3"/>
+          <p:cNvSpPr>
+            <a:spLocks noGrp="1"/>
+          </p:cNvSpPr>
+          <p:nvPr>
+            <p:ph type="sldNum" sz="quarter" idx="10"/>
+          </p:nvPr>
+        </p:nvSpPr>
+        <p:spPr/>
+        <p:txBody>
+          <a:bodyPr/>
+          <a:lstStyle/>
+          <a:p>
+            <a:fld id="{B282CE53-5F46-475F-996F-0287F4451556}" type="slidenum">
+              <a:rPr lang="de-DE" smtClean="0"/>
+              <a:t>15</a:t>
+            </a:fld>
+            <a:endParaRPr lang="de-DE"/>
+          </a:p>
+        </p:txBody>
+      </p:sp>
+    </p:spTree>
+    <p:extLst>
+      <p:ext uri="{BB962C8B-B14F-4D97-AF65-F5344CB8AC3E}">
+        <p14:creationId xmlns:p14="http://schemas.microsoft.com/office/powerpoint/2010/main" val="4040880017"/>
+      </p:ext>
+    </p:extLst>
+  </p:cSld>
+  <p:clrMapOvr>
+    <a:masterClrMapping/>
+  </p:clrMapOvr>
+</p:notes>
+</file>
+
+<file path=ppt/notesSlides/notesSlide4.xml><?xml version="1.0" encoding="utf-8"?>
+<p:notes xmlns:a="http://schemas.openxmlformats.org/drawingml/2006/main" xmlns:r="http://schemas.openxmlformats.org/officeDocument/2006/relationships" xmlns:p="http://schemas.openxmlformats.org/presentationml/2006/main">
+  <p:cSld>
+    <p:spTree>
+      <p:nvGrpSpPr>
+        <p:cNvPr id="1" name=""/>
+        <p:cNvGrpSpPr/>
+        <p:nvPr/>
+      </p:nvGrpSpPr>
+      <p:grpSpPr>
+        <a:xfrm>
+          <a:off x="0" y="0"/>
+          <a:ext cx="0" cy="0"/>
+          <a:chOff x="0" y="0"/>
+          <a:chExt cx="0" cy="0"/>
+        </a:xfrm>
+      </p:grpSpPr>
+      <p:sp>
+        <p:nvSpPr>
+          <p:cNvPr id="2" name="Folienbildplatzhalter 1"/>
+          <p:cNvSpPr>
+            <a:spLocks noGrp="1" noRot="1" noChangeAspect="1"/>
+          </p:cNvSpPr>
+          <p:nvPr>
+            <p:ph type="sldImg"/>
+          </p:nvPr>
+        </p:nvSpPr>
+        <p:spPr/>
+      </p:sp>
+      <p:sp>
+        <p:nvSpPr>
+          <p:cNvPr id="3" name="Notizenplatzhalter 2"/>
+          <p:cNvSpPr>
+            <a:spLocks noGrp="1"/>
+          </p:cNvSpPr>
+          <p:nvPr>
+            <p:ph type="body" idx="1"/>
+          </p:nvPr>
+        </p:nvSpPr>
+        <p:spPr/>
+        <p:txBody>
+          <a:bodyPr/>
+          <a:lstStyle/>
+          <a:p>
+            <a:r>
+              <a:rPr lang="de-DE" dirty="0" err="1" smtClean="0"/>
+              <a:t>BoatClass</a:t>
+            </a:r>
+            <a:r>
+              <a:rPr lang="de-DE" dirty="0" smtClean="0"/>
+              <a:t> auf </a:t>
+            </a:r>
+            <a:r>
+              <a:rPr lang="de-DE" dirty="0" err="1" smtClean="0"/>
+              <a:t>Leaderboard</a:t>
+            </a:r>
+            <a:r>
+              <a:rPr lang="de-DE" dirty="0" smtClean="0"/>
+              <a:t> (</a:t>
+            </a:r>
+            <a:r>
+              <a:rPr lang="de-DE" dirty="0" err="1" smtClean="0"/>
+              <a:t>FlexibleL</a:t>
+            </a:r>
+            <a:r>
+              <a:rPr lang="de-DE" baseline="0" dirty="0" smtClean="0"/>
+              <a:t> per UI, </a:t>
+            </a:r>
+            <a:r>
+              <a:rPr lang="de-DE" baseline="0" dirty="0" err="1" smtClean="0"/>
+              <a:t>RegattaL</a:t>
+            </a:r>
+            <a:r>
+              <a:rPr lang="de-DE" baseline="0" dirty="0" smtClean="0"/>
+              <a:t> </a:t>
+            </a:r>
+            <a:r>
+              <a:rPr lang="de-DE" baseline="0" smtClean="0"/>
+              <a:t>per Regatta)</a:t>
+            </a:r>
+            <a:endParaRPr lang="de-DE" dirty="0"/>
+          </a:p>
+        </p:txBody>
+      </p:sp>
+      <p:sp>
+        <p:nvSpPr>
+          <p:cNvPr id="4" name="Foliennummernplatzhalter 3"/>
+          <p:cNvSpPr>
+            <a:spLocks noGrp="1"/>
+          </p:cNvSpPr>
+          <p:nvPr>
+            <p:ph type="sldNum" sz="quarter" idx="10"/>
+          </p:nvPr>
+        </p:nvSpPr>
+        <p:spPr/>
+        <p:txBody>
+          <a:bodyPr/>
+          <a:lstStyle/>
+          <a:p>
+            <a:fld id="{B282CE53-5F46-475F-996F-0287F4451556}" type="slidenum">
+              <a:rPr lang="de-DE" smtClean="0"/>
+              <a:t>16</a:t>
+            </a:fld>
+            <a:endParaRPr lang="de-DE"/>
+          </a:p>
+        </p:txBody>
+      </p:sp>
+    </p:spTree>
+    <p:extLst>
+      <p:ext uri="{BB962C8B-B14F-4D97-AF65-F5344CB8AC3E}">
+        <p14:creationId xmlns:p14="http://schemas.microsoft.com/office/powerpoint/2010/main" val="3727037370"/>
+      </p:ext>
+    </p:extLst>
+  </p:cSld>
+  <p:clrMapOvr>
+    <a:masterClrMapping/>
+  </p:clrMapOvr>
+</p:notes>
 </file>
 
 <file path=ppt/slideLayouts/slideLayout1.xml><?xml version="1.0" encoding="utf-8"?>
@@ -3719,15 +4099,7 @@
           <a:effectLst>
             <a:reflection blurRad="12700" stA="38000" endPos="28000" dist="5000" dir="5400000" sy="-100000" algn="bl" rotWithShape="0"/>
           </a:effectLst>
-          <a:extLst>
-            <a:ext uri="{909E8E84-426E-40DD-AFC4-6F175D3DCCD1}">
-              <a14:hiddenFill xmlns:a14="http://schemas.microsoft.com/office/drawing/2010/main">
-                <a:solidFill>
-                  <a:srgbClr val="FFFFFF"/>
-                </a:solidFill>
-              </a14:hiddenFill>
-            </a:ext>
-          </a:extLst>
+          <a:extLst/>
         </p:spPr>
       </p:pic>
       <p:sp>
@@ -4220,6 +4592,235 @@
             <a:fld id="{9F4A1603-906B-4679-B300-51B855FA66DA}" type="slidenum">
               <a:rPr lang="de-DE" smtClean="0"/>
               <a:t>12</a:t>
+            </a:fld>
+            <a:endParaRPr lang="de-DE"/>
+          </a:p>
+        </p:txBody>
+      </p:sp>
+      <p:pic>
+        <p:nvPicPr>
+          <p:cNvPr id="5" name="Picture 4" descr="C:\Users\Hugo\Desktop\Screenshot_2013-02-08-03-53-47.jpg"/>
+          <p:cNvPicPr>
+            <a:picLocks noChangeAspect="1" noChangeArrowheads="1"/>
+          </p:cNvPicPr>
+          <p:nvPr/>
+        </p:nvPicPr>
+        <p:blipFill>
+          <a:blip r:embed="rId3" cstate="print">
+            <a:extLst>
+              <a:ext uri="{28A0092B-C50C-407E-A947-70E740481C1C}">
+                <a14:useLocalDpi xmlns:a14="http://schemas.microsoft.com/office/drawing/2010/main" val="0"/>
+              </a:ext>
+            </a:extLst>
+          </a:blip>
+          <a:srcRect/>
+          <a:stretch>
+            <a:fillRect/>
+          </a:stretch>
+        </p:blipFill>
+        <p:spPr bwMode="auto">
+          <a:xfrm>
+            <a:off x="5652120" y="188640"/>
+            <a:ext cx="3226820" cy="2016762"/>
+          </a:xfrm>
+          <a:prstGeom prst="roundRect">
+            <a:avLst>
+              <a:gd name="adj" fmla="val 8594"/>
+            </a:avLst>
+          </a:prstGeom>
+          <a:solidFill>
+            <a:srgbClr val="FFFFFF">
+              <a:shade val="85000"/>
+            </a:srgbClr>
+          </a:solidFill>
+          <a:ln>
+            <a:noFill/>
+          </a:ln>
+          <a:effectLst>
+            <a:reflection blurRad="12700" stA="38000" endPos="28000" dist="5000" dir="5400000" sy="-100000" algn="bl" rotWithShape="0"/>
+          </a:effectLst>
+          <a:extLst/>
+        </p:spPr>
+      </p:pic>
+    </p:spTree>
+    <p:extLst>
+      <p:ext uri="{BB962C8B-B14F-4D97-AF65-F5344CB8AC3E}">
+        <p14:creationId xmlns:p14="http://schemas.microsoft.com/office/powerpoint/2010/main" val="2699772938"/>
+      </p:ext>
+    </p:extLst>
+  </p:cSld>
+  <p:clrMapOvr>
+    <a:masterClrMapping/>
+  </p:clrMapOvr>
+  <p:timing>
+    <p:tnLst>
+      <p:par>
+        <p:cTn id="1" dur="indefinite" restart="never" nodeType="tmRoot"/>
+      </p:par>
+    </p:tnLst>
+  </p:timing>
+</p:sld>
+</file>
+
+<file path=ppt/slides/slide13.xml><?xml version="1.0" encoding="utf-8"?>
+<p:sld xmlns:a="http://schemas.openxmlformats.org/drawingml/2006/main" xmlns:r="http://schemas.openxmlformats.org/officeDocument/2006/relationships" xmlns:p="http://schemas.openxmlformats.org/presentationml/2006/main">
+  <p:cSld>
+    <p:spTree>
+      <p:nvGrpSpPr>
+        <p:cNvPr id="1" name=""/>
+        <p:cNvGrpSpPr/>
+        <p:nvPr/>
+      </p:nvGrpSpPr>
+      <p:grpSpPr>
+        <a:xfrm>
+          <a:off x="0" y="0"/>
+          <a:ext cx="0" cy="0"/>
+          <a:chOff x="0" y="0"/>
+          <a:chExt cx="0" cy="0"/>
+        </a:xfrm>
+      </p:grpSpPr>
+      <p:sp>
+        <p:nvSpPr>
+          <p:cNvPr id="2" name="Titel 1"/>
+          <p:cNvSpPr>
+            <a:spLocks noGrp="1"/>
+          </p:cNvSpPr>
+          <p:nvPr>
+            <p:ph type="title"/>
+          </p:nvPr>
+        </p:nvSpPr>
+        <p:spPr/>
+        <p:txBody>
+          <a:bodyPr/>
+          <a:lstStyle/>
+          <a:p>
+            <a:pPr algn="l"/>
+            <a:r>
+              <a:rPr lang="de-DE" dirty="0" smtClean="0"/>
+              <a:t>Race Information</a:t>
+            </a:r>
+            <a:endParaRPr lang="de-DE" dirty="0"/>
+          </a:p>
+        </p:txBody>
+      </p:sp>
+      <p:sp>
+        <p:nvSpPr>
+          <p:cNvPr id="3" name="Inhaltsplatzhalter 2"/>
+          <p:cNvSpPr>
+            <a:spLocks noGrp="1"/>
+          </p:cNvSpPr>
+          <p:nvPr>
+            <p:ph idx="1"/>
+          </p:nvPr>
+        </p:nvSpPr>
+        <p:spPr/>
+        <p:txBody>
+          <a:bodyPr>
+            <a:normAutofit/>
+          </a:bodyPr>
+          <a:lstStyle/>
+          <a:p>
+            <a:pPr marL="0" indent="0">
+              <a:buNone/>
+            </a:pPr>
+            <a:endParaRPr lang="de-DE" dirty="0"/>
+          </a:p>
+          <a:p>
+            <a:r>
+              <a:rPr lang="de-DE" dirty="0" smtClean="0"/>
+              <a:t>Antwort enthält </a:t>
+            </a:r>
+            <a:r>
+              <a:rPr lang="de-DE" dirty="0" err="1" smtClean="0"/>
+              <a:t>Leaderboard</a:t>
+            </a:r>
+            <a:endParaRPr lang="de-DE" dirty="0" smtClean="0"/>
+          </a:p>
+          <a:p>
+            <a:pPr lvl="1"/>
+            <a:r>
+              <a:rPr lang="de-DE" dirty="0" smtClean="0"/>
+              <a:t>Name</a:t>
+            </a:r>
+          </a:p>
+          <a:p>
+            <a:pPr lvl="1"/>
+            <a:r>
+              <a:rPr lang="de-DE" dirty="0" smtClean="0"/>
+              <a:t>Series</a:t>
+            </a:r>
+          </a:p>
+          <a:p>
+            <a:pPr lvl="2"/>
+            <a:r>
+              <a:rPr lang="de-DE" dirty="0" smtClean="0"/>
+              <a:t>Name</a:t>
+            </a:r>
+          </a:p>
+          <a:p>
+            <a:pPr lvl="2"/>
+            <a:r>
+              <a:rPr lang="de-DE" dirty="0" smtClean="0"/>
+              <a:t>Fleets</a:t>
+            </a:r>
+          </a:p>
+          <a:p>
+            <a:pPr lvl="3"/>
+            <a:r>
+              <a:rPr lang="de-DE" dirty="0" smtClean="0"/>
+              <a:t>Name</a:t>
+            </a:r>
+          </a:p>
+          <a:p>
+            <a:pPr lvl="3"/>
+            <a:r>
+              <a:rPr lang="de-DE" dirty="0" smtClean="0"/>
+              <a:t>Race </a:t>
+            </a:r>
+            <a:r>
+              <a:rPr lang="de-DE" dirty="0" err="1" smtClean="0"/>
+              <a:t>names</a:t>
+            </a:r>
+            <a:endParaRPr lang="de-DE" dirty="0" smtClean="0"/>
+          </a:p>
+          <a:p>
+            <a:r>
+              <a:rPr lang="de-DE" dirty="0" smtClean="0"/>
+              <a:t>Entspricht „Race </a:t>
+            </a:r>
+            <a:r>
+              <a:rPr lang="de-DE" dirty="0" err="1" smtClean="0"/>
+              <a:t>Rows</a:t>
+            </a:r>
+            <a:r>
+              <a:rPr lang="de-DE" dirty="0" smtClean="0"/>
+              <a:t>“</a:t>
+            </a:r>
+          </a:p>
+          <a:p>
+            <a:pPr lvl="1"/>
+            <a:endParaRPr lang="de-DE" dirty="0" smtClean="0"/>
+          </a:p>
+        </p:txBody>
+      </p:sp>
+      <p:sp>
+        <p:nvSpPr>
+          <p:cNvPr id="4" name="Foliennummernplatzhalter 3"/>
+          <p:cNvSpPr>
+            <a:spLocks noGrp="1"/>
+          </p:cNvSpPr>
+          <p:nvPr>
+            <p:ph type="sldNum" sz="quarter" idx="12"/>
+          </p:nvPr>
+        </p:nvSpPr>
+        <p:spPr/>
+        <p:txBody>
+          <a:bodyPr/>
+          <a:lstStyle/>
+          <a:p>
+            <a:fld id="{9F4A1603-906B-4679-B300-51B855FA66DA}" type="slidenum">
+              <a:rPr lang="de-DE" smtClean="0"/>
+              <a:t>13</a:t>
             </a:fld>
             <a:endParaRPr lang="de-DE"/>
           </a:p>
@@ -4267,252 +4868,7 @@
           <a:effectLst>
             <a:reflection blurRad="12700" stA="38000" endPos="28000" dist="5000" dir="5400000" sy="-100000" algn="bl" rotWithShape="0"/>
           </a:effectLst>
-          <a:extLst>
-            <a:ext uri="{909E8E84-426E-40DD-AFC4-6F175D3DCCD1}">
-              <a14:hiddenFill xmlns:a14="http://schemas.microsoft.com/office/drawing/2010/main">
-                <a:solidFill>
-                  <a:srgbClr val="FFFFFF"/>
-                </a:solidFill>
-              </a14:hiddenFill>
-            </a:ext>
-          </a:extLst>
-        </p:spPr>
-      </p:pic>
-    </p:spTree>
-    <p:extLst>
-      <p:ext uri="{BB962C8B-B14F-4D97-AF65-F5344CB8AC3E}">
-        <p14:creationId xmlns:p14="http://schemas.microsoft.com/office/powerpoint/2010/main" val="2699772938"/>
-      </p:ext>
-    </p:extLst>
-  </p:cSld>
-  <p:clrMapOvr>
-    <a:masterClrMapping/>
-  </p:clrMapOvr>
-  <p:timing>
-    <p:tnLst>
-      <p:par>
-        <p:cTn id="1" dur="indefinite" restart="never" nodeType="tmRoot"/>
-      </p:par>
-    </p:tnLst>
-  </p:timing>
-</p:sld>
-</file>
-
-<file path=ppt/slides/slide13.xml><?xml version="1.0" encoding="utf-8"?>
-<p:sld xmlns:a="http://schemas.openxmlformats.org/drawingml/2006/main" xmlns:r="http://schemas.openxmlformats.org/officeDocument/2006/relationships" xmlns:p="http://schemas.openxmlformats.org/presentationml/2006/main">
-  <p:cSld>
-    <p:spTree>
-      <p:nvGrpSpPr>
-        <p:cNvPr id="1" name=""/>
-        <p:cNvGrpSpPr/>
-        <p:nvPr/>
-      </p:nvGrpSpPr>
-      <p:grpSpPr>
-        <a:xfrm>
-          <a:off x="0" y="0"/>
-          <a:ext cx="0" cy="0"/>
-          <a:chOff x="0" y="0"/>
-          <a:chExt cx="0" cy="0"/>
-        </a:xfrm>
-      </p:grpSpPr>
-      <p:sp>
-        <p:nvSpPr>
-          <p:cNvPr id="2" name="Titel 1"/>
-          <p:cNvSpPr>
-            <a:spLocks noGrp="1"/>
-          </p:cNvSpPr>
-          <p:nvPr>
-            <p:ph type="title"/>
-          </p:nvPr>
-        </p:nvSpPr>
-        <p:spPr/>
-        <p:txBody>
-          <a:bodyPr/>
-          <a:lstStyle/>
-          <a:p>
-            <a:pPr algn="l"/>
-            <a:r>
-              <a:rPr lang="de-DE" dirty="0" smtClean="0"/>
-              <a:t>Race Information</a:t>
-            </a:r>
-            <a:endParaRPr lang="de-DE" dirty="0"/>
-          </a:p>
-        </p:txBody>
-      </p:sp>
-      <p:sp>
-        <p:nvSpPr>
-          <p:cNvPr id="3" name="Inhaltsplatzhalter 2"/>
-          <p:cNvSpPr>
-            <a:spLocks noGrp="1"/>
-          </p:cNvSpPr>
-          <p:nvPr>
-            <p:ph idx="1"/>
-          </p:nvPr>
-        </p:nvSpPr>
-        <p:spPr/>
-        <p:txBody>
-          <a:bodyPr>
-            <a:normAutofit/>
-          </a:bodyPr>
-          <a:lstStyle/>
-          <a:p>
-            <a:pPr marL="0" indent="0">
-              <a:buNone/>
-            </a:pPr>
-            <a:endParaRPr lang="de-DE" dirty="0"/>
-          </a:p>
-          <a:p>
-            <a:r>
-              <a:rPr lang="de-DE" dirty="0" smtClean="0"/>
-              <a:t>Antwort enthält </a:t>
-            </a:r>
-            <a:r>
-              <a:rPr lang="de-DE" dirty="0" err="1" smtClean="0"/>
-              <a:t>Leaderboard</a:t>
-            </a:r>
-            <a:endParaRPr lang="de-DE" dirty="0" smtClean="0"/>
-          </a:p>
-          <a:p>
-            <a:pPr lvl="1"/>
-            <a:r>
-              <a:rPr lang="de-DE" dirty="0" smtClean="0"/>
-              <a:t>Name</a:t>
-            </a:r>
-          </a:p>
-          <a:p>
-            <a:pPr lvl="1"/>
-            <a:r>
-              <a:rPr lang="de-DE" dirty="0" smtClean="0"/>
-              <a:t>Series</a:t>
-            </a:r>
-          </a:p>
-          <a:p>
-            <a:pPr lvl="2"/>
-            <a:r>
-              <a:rPr lang="de-DE" dirty="0" smtClean="0"/>
-              <a:t>Name</a:t>
-            </a:r>
-          </a:p>
-          <a:p>
-            <a:pPr lvl="2"/>
-            <a:r>
-              <a:rPr lang="de-DE" dirty="0" smtClean="0"/>
-              <a:t>Fleets</a:t>
-            </a:r>
-          </a:p>
-          <a:p>
-            <a:pPr lvl="3"/>
-            <a:r>
-              <a:rPr lang="de-DE" dirty="0" smtClean="0"/>
-              <a:t>Name</a:t>
-            </a:r>
-          </a:p>
-          <a:p>
-            <a:pPr lvl="3"/>
-            <a:r>
-              <a:rPr lang="de-DE" dirty="0" smtClean="0"/>
-              <a:t>Race </a:t>
-            </a:r>
-            <a:r>
-              <a:rPr lang="de-DE" dirty="0" err="1" smtClean="0"/>
-              <a:t>names</a:t>
-            </a:r>
-            <a:endParaRPr lang="de-DE" dirty="0" smtClean="0"/>
-          </a:p>
-          <a:p>
-            <a:r>
-              <a:rPr lang="de-DE" dirty="0" smtClean="0"/>
-              <a:t>Entspricht „Race </a:t>
-            </a:r>
-            <a:r>
-              <a:rPr lang="de-DE" dirty="0" err="1" smtClean="0"/>
-              <a:t>Rows</a:t>
-            </a:r>
-            <a:r>
-              <a:rPr lang="de-DE" dirty="0" smtClean="0"/>
-              <a:t>“</a:t>
-            </a:r>
-          </a:p>
-          <a:p>
-            <a:pPr lvl="1"/>
-            <a:endParaRPr lang="de-DE" dirty="0" smtClean="0"/>
-          </a:p>
-        </p:txBody>
-      </p:sp>
-      <p:sp>
-        <p:nvSpPr>
-          <p:cNvPr id="4" name="Foliennummernplatzhalter 3"/>
-          <p:cNvSpPr>
-            <a:spLocks noGrp="1"/>
-          </p:cNvSpPr>
-          <p:nvPr>
-            <p:ph type="sldNum" sz="quarter" idx="12"/>
-          </p:nvPr>
-        </p:nvSpPr>
-        <p:spPr/>
-        <p:txBody>
-          <a:bodyPr/>
-          <a:lstStyle/>
-          <a:p>
-            <a:fld id="{9F4A1603-906B-4679-B300-51B855FA66DA}" type="slidenum">
-              <a:rPr lang="de-DE" smtClean="0"/>
-              <a:t>13</a:t>
-            </a:fld>
-            <a:endParaRPr lang="de-DE"/>
-          </a:p>
-        </p:txBody>
-      </p:sp>
-      <p:pic>
-        <p:nvPicPr>
-          <p:cNvPr id="5" name="Picture 4" descr="C:\Users\Hugo\Desktop\Screenshot_2013-02-08-03-53-47.jpg"/>
-          <p:cNvPicPr>
-            <a:picLocks noChangeAspect="1" noChangeArrowheads="1"/>
-          </p:cNvPicPr>
-          <p:nvPr/>
-        </p:nvPicPr>
-        <p:blipFill>
-          <a:blip r:embed="rId2" cstate="print">
-            <a:extLst>
-              <a:ext uri="{28A0092B-C50C-407E-A947-70E740481C1C}">
-                <a14:useLocalDpi xmlns:a14="http://schemas.microsoft.com/office/drawing/2010/main" val="0"/>
-              </a:ext>
-            </a:extLst>
-          </a:blip>
-          <a:srcRect/>
-          <a:stretch>
-            <a:fillRect/>
-          </a:stretch>
-        </p:blipFill>
-        <p:spPr bwMode="auto">
-          <a:xfrm>
-            <a:off x="5652120" y="188640"/>
-            <a:ext cx="3226820" cy="2016762"/>
-          </a:xfrm>
-          <a:prstGeom prst="roundRect">
-            <a:avLst>
-              <a:gd name="adj" fmla="val 8594"/>
-            </a:avLst>
-          </a:prstGeom>
-          <a:solidFill>
-            <a:srgbClr val="FFFFFF">
-              <a:shade val="85000"/>
-            </a:srgbClr>
-          </a:solidFill>
-          <a:ln>
-            <a:noFill/>
-          </a:ln>
-          <a:effectLst>
-            <a:reflection blurRad="12700" stA="38000" endPos="28000" dist="5000" dir="5400000" sy="-100000" algn="bl" rotWithShape="0"/>
-          </a:effectLst>
-          <a:extLst>
-            <a:ext uri="{909E8E84-426E-40DD-AFC4-6F175D3DCCD1}">
-              <a14:hiddenFill xmlns:a14="http://schemas.microsoft.com/office/drawing/2010/main">
-                <a:solidFill>
-                  <a:srgbClr val="FFFFFF"/>
-                </a:solidFill>
-              </a14:hiddenFill>
-            </a:ext>
-          </a:extLst>
+          <a:extLst/>
         </p:spPr>
       </p:pic>
       <p:pic>
@@ -4565,25 +4921,6 @@
                 </a:solidFill>
               </a14:hiddenFill>
             </a:ext>
-            <a:ext uri="{91240B29-F687-4F45-9708-019B960494DF}">
-              <a14:hiddenLine xmlns:a14="http://schemas.microsoft.com/office/drawing/2010/main" w="9525">
-                <a:solidFill>
-                  <a:schemeClr val="tx1"/>
-                </a:solidFill>
-                <a:miter lim="800000"/>
-                <a:headEnd/>
-                <a:tailEnd/>
-              </a14:hiddenLine>
-            </a:ext>
-            <a:ext uri="{AF507438-7753-43E0-B8FC-AC1667EBCBE1}">
-              <a14:hiddenEffects xmlns:a14="http://schemas.microsoft.com/office/drawing/2010/main">
-                <a:effectLst>
-                  <a:outerShdw dist="35921" dir="2700000" algn="ctr" rotWithShape="0">
-                    <a:schemeClr val="bg2"/>
-                  </a:outerShdw>
-                </a:effectLst>
-              </a14:hiddenEffects>
-            </a:ext>
           </a:extLst>
         </p:spPr>
       </p:pic>
@@ -4761,7 +5098,7 @@
           <p:nvPr/>
         </p:nvPicPr>
         <p:blipFill>
-          <a:blip r:embed="rId2" cstate="print">
+          <a:blip r:embed="rId3" cstate="print">
             <a:extLst>
               <a:ext uri="{28A0092B-C50C-407E-A947-70E740481C1C}">
                 <a14:useLocalDpi xmlns:a14="http://schemas.microsoft.com/office/drawing/2010/main" val="0"/>
@@ -4794,15 +5131,7 @@
           <a:effectLst>
             <a:reflection blurRad="12700" stA="38000" endPos="28000" dist="5000" dir="5400000" sy="-100000" algn="bl" rotWithShape="0"/>
           </a:effectLst>
-          <a:extLst>
-            <a:ext uri="{909E8E84-426E-40DD-AFC4-6F175D3DCCD1}">
-              <a14:hiddenFill xmlns:a14="http://schemas.microsoft.com/office/drawing/2010/main">
-                <a:solidFill>
-                  <a:srgbClr val="FFFFFF"/>
-                </a:solidFill>
-              </a14:hiddenFill>
-            </a:ext>
-          </a:extLst>
+          <a:extLst/>
         </p:spPr>
       </p:pic>
     </p:spTree>
@@ -4959,7 +5288,11 @@
           <a:bodyPr/>
           <a:lstStyle/>
           <a:p>
-            <a:endParaRPr lang="de-DE"/>
+            <a:r>
+              <a:rPr lang="de-DE" dirty="0" smtClean="0"/>
+              <a:t>-</a:t>
+            </a:r>
+            <a:endParaRPr lang="de-DE" dirty="0"/>
           </a:p>
         </p:txBody>
       </p:sp>
@@ -7196,7 +7529,7 @@
         <p:spPr>
           <a:xfrm>
             <a:off x="2291151" y="5661248"/>
-            <a:ext cx="4561698" cy="584775"/>
+            <a:ext cx="4725204" cy="584775"/>
           </a:xfrm>
           <a:prstGeom prst="rect">
             <a:avLst/>
@@ -7211,11 +7544,15 @@
           <a:p>
             <a:r>
               <a:rPr lang="de-DE" sz="3200" b="1" dirty="0" err="1" smtClean="0"/>
-              <a:t>Boatklasse</a:t>
+              <a:t>Boatsklasse</a:t>
             </a:r>
             <a:r>
               <a:rPr lang="de-DE" sz="3200" b="1" dirty="0" smtClean="0"/>
-              <a:t> – Serie - Flotte</a:t>
+              <a:t> </a:t>
+            </a:r>
+            <a:r>
+              <a:rPr lang="de-DE" sz="3200" b="1" dirty="0" smtClean="0"/>
+              <a:t>– Serie - Flotte</a:t>
             </a:r>
             <a:endParaRPr lang="de-DE" sz="3200" b="1" dirty="0"/>
           </a:p>
